--- a/Docs/Афанасьев В.Р. Презентация.pptx
+++ b/Docs/Афанасьев В.Р. Презентация.pptx
@@ -617,19 +617,7 @@
           <a:p>
             <a:r>
               <a:rPr lang="ru-RU" dirty="0" smtClean="0"/>
-              <a:t>также необходимо отметить тот факт, </a:t>
-            </a:r>
-            <a:r>
-              <a:rPr lang="ru-RU" dirty="0" smtClean="0"/>
-              <a:t>что результаты проведенного исследования </a:t>
-            </a:r>
-            <a:r>
-              <a:rPr lang="ru-RU" dirty="0" smtClean="0"/>
-              <a:t>опубликованы в журнале </a:t>
-            </a:r>
-            <a:r>
-              <a:rPr lang="ru-RU" dirty="0" smtClean="0"/>
-              <a:t>"</a:t>
+              <a:t>также необходимо отметить тот факт, что результаты проведенного исследования опубликованы в журнале "</a:t>
             </a:r>
             <a:r>
               <a:rPr lang="ru-RU" dirty="0" smtClean="0">
@@ -1576,19 +1564,7 @@
                 <a:ea typeface="+mn-ea"/>
                 <a:cs typeface="+mn-cs"/>
               </a:rPr>
-              <a:t>диаграммы</a:t>
-            </a:r>
-            <a:r>
-              <a:rPr lang="ru-RU" sz="1200" kern="1200" dirty="0" smtClean="0">
-                <a:solidFill>
-                  <a:schemeClr val="tx1"/>
-                </a:solidFill>
-                <a:effectLst/>
-                <a:latin typeface="+mn-lt"/>
-                <a:ea typeface="+mn-ea"/>
-                <a:cs typeface="+mn-cs"/>
-              </a:rPr>
-              <a:t>.</a:t>
+              <a:t>диаграммы.</a:t>
             </a:r>
           </a:p>
           <a:p>
@@ -5634,10 +5610,6 @@
               </a:rPr>
               <a:t>»</a:t>
             </a:r>
-            <a:endParaRPr lang="ru-RU" sz="2800" dirty="0" smtClean="0">
-              <a:latin typeface="Times New Roman" pitchFamily="18" charset="0"/>
-              <a:cs typeface="Times New Roman" pitchFamily="18" charset="0"/>
-            </a:endParaRPr>
           </a:p>
           <a:p>
             <a:pPr algn="ctr"/>
@@ -5674,19 +5646,7 @@
               <a:rPr lang="ru-RU" sz="2000" dirty="0" smtClean="0">
                 <a:cs typeface="Times New Roman" pitchFamily="18" charset="0"/>
               </a:rPr>
-              <a:t>  Калуга, </a:t>
-            </a:r>
-            <a:r>
-              <a:rPr lang="ru-RU" sz="2000" dirty="0" smtClean="0">
-                <a:cs typeface="Times New Roman" pitchFamily="18" charset="0"/>
-              </a:rPr>
-              <a:t>2019 </a:t>
-            </a:r>
-            <a:r>
-              <a:rPr lang="ru-RU" sz="2000" dirty="0" smtClean="0">
-                <a:cs typeface="Times New Roman" pitchFamily="18" charset="0"/>
-              </a:rPr>
-              <a:t>г.</a:t>
+              <a:t>  Калуга, 2019 г.</a:t>
             </a:r>
           </a:p>
         </p:txBody>
@@ -5717,13 +5677,7 @@
               <a:rPr lang="ru-RU" sz="2000" dirty="0" smtClean="0">
                 <a:cs typeface="Times New Roman" pitchFamily="18" charset="0"/>
               </a:rPr>
-              <a:t>Выполнил студент гр. </a:t>
-            </a:r>
-            <a:r>
-              <a:rPr lang="ru-RU" sz="2000" dirty="0" smtClean="0">
-                <a:cs typeface="Times New Roman" pitchFamily="18" charset="0"/>
-              </a:rPr>
-              <a:t>САПР.М-4</a:t>
+              <a:t>Выполнил студент гр. САПР.М-4</a:t>
             </a:r>
             <a:r>
               <a:rPr lang="en-US" sz="2000" dirty="0" smtClean="0">
@@ -5774,13 +5728,7 @@
               <a:rPr lang="ru-RU" sz="2000" dirty="0" smtClean="0">
                 <a:cs typeface="Times New Roman" pitchFamily="18" charset="0"/>
               </a:rPr>
-              <a:t>Руководитель </a:t>
-            </a:r>
-            <a:r>
-              <a:rPr lang="ru-RU" sz="2000" dirty="0" smtClean="0">
-                <a:cs typeface="Times New Roman" pitchFamily="18" charset="0"/>
-              </a:rPr>
-              <a:t>Вершинин Е.В.</a:t>
+              <a:t>Руководитель Вершинин Е.В.</a:t>
             </a:r>
             <a:endParaRPr lang="ru-RU" sz="2000" dirty="0">
               <a:cs typeface="Times New Roman" pitchFamily="18" charset="0"/>
@@ -5864,7 +5812,7 @@
         </p:nvSpPr>
         <p:spPr>
           <a:xfrm>
-            <a:off x="395536" y="836712"/>
+            <a:off x="395536" y="1124744"/>
             <a:ext cx="8352928" cy="5256584"/>
           </a:xfrm>
         </p:spPr>
@@ -5878,7 +5826,7 @@
               <a:buNone/>
             </a:pPr>
             <a:r>
-              <a:rPr lang="ru-RU" sz="2000" dirty="0">
+              <a:rPr lang="ru-RU" dirty="0">
                 <a:solidFill>
                   <a:schemeClr val="tx1"/>
                 </a:solidFill>
@@ -5887,7 +5835,7 @@
               <a:t>В результате выполнения </a:t>
             </a:r>
             <a:r>
-              <a:rPr lang="ru-RU" sz="2000" dirty="0" smtClean="0">
+              <a:rPr lang="ru-RU" dirty="0" smtClean="0">
                 <a:solidFill>
                   <a:schemeClr val="tx1"/>
                 </a:solidFill>
@@ -5896,7 +5844,7 @@
               <a:t>ВКР </a:t>
             </a:r>
             <a:r>
-              <a:rPr lang="ru-RU" sz="2000" dirty="0">
+              <a:rPr lang="ru-RU" dirty="0">
                 <a:solidFill>
                   <a:schemeClr val="tx1"/>
                 </a:solidFill>
@@ -5905,7 +5853,7 @@
               <a:t>было проведено </a:t>
             </a:r>
             <a:r>
-              <a:rPr lang="ru-RU" sz="2000" dirty="0" smtClean="0">
+              <a:rPr lang="ru-RU" dirty="0" smtClean="0">
                 <a:solidFill>
                   <a:schemeClr val="tx1"/>
                 </a:solidFill>
@@ -5914,7 +5862,7 @@
               <a:t>исследование </a:t>
             </a:r>
             <a:r>
-              <a:rPr lang="ru-RU" sz="2000" dirty="0">
+              <a:rPr lang="ru-RU" dirty="0">
                 <a:solidFill>
                   <a:schemeClr val="tx1"/>
                 </a:solidFill>
@@ -5923,7 +5871,7 @@
               <a:t>методов интеллектуального анализа данных в приложении к аналитике фискальных данных с последующим применением этих методов в разработке аналитической </a:t>
             </a:r>
             <a:r>
-              <a:rPr lang="ru-RU" sz="2000" dirty="0" smtClean="0">
+              <a:rPr lang="ru-RU" dirty="0" smtClean="0">
                 <a:solidFill>
                   <a:schemeClr val="tx1"/>
                 </a:solidFill>
@@ -5931,7 +5879,137 @@
               </a:rPr>
               <a:t>системы.</a:t>
             </a:r>
-            <a:endParaRPr lang="ru-RU" sz="2000" dirty="0" smtClean="0">
+          </a:p>
+          <a:p>
+            <a:pPr marL="0" indent="0">
+              <a:buNone/>
+            </a:pPr>
+            <a:r>
+              <a:rPr lang="ru-RU" dirty="0" smtClean="0">
+                <a:solidFill>
+                  <a:schemeClr val="tx1"/>
+                </a:solidFill>
+                <a:latin typeface="+mn-lt"/>
+              </a:rPr>
+              <a:t>В ходе разработки был </a:t>
+            </a:r>
+            <a:r>
+              <a:rPr lang="ru-RU" dirty="0">
+                <a:solidFill>
+                  <a:schemeClr val="tx1"/>
+                </a:solidFill>
+                <a:latin typeface="+mn-lt"/>
+              </a:rPr>
+              <a:t>решен ряд задач: </a:t>
+            </a:r>
+          </a:p>
+          <a:p>
+            <a:r>
+              <a:rPr lang="ru-RU" dirty="0" smtClean="0">
+                <a:solidFill>
+                  <a:schemeClr val="tx1"/>
+                </a:solidFill>
+                <a:latin typeface="+mn-lt"/>
+              </a:rPr>
+              <a:t>Проведен </a:t>
+            </a:r>
+            <a:r>
+              <a:rPr lang="ru-RU" dirty="0">
+                <a:solidFill>
+                  <a:schemeClr val="tx1"/>
+                </a:solidFill>
+                <a:latin typeface="+mn-lt"/>
+              </a:rPr>
+              <a:t>анализ предметной области;</a:t>
+            </a:r>
+          </a:p>
+          <a:p>
+            <a:r>
+              <a:rPr lang="ru-RU" dirty="0" smtClean="0">
+                <a:solidFill>
+                  <a:schemeClr val="tx1"/>
+                </a:solidFill>
+                <a:latin typeface="+mn-lt"/>
+              </a:rPr>
+              <a:t>Сформулирована задача </a:t>
+            </a:r>
+            <a:r>
+              <a:rPr lang="ru-RU" dirty="0">
+                <a:solidFill>
+                  <a:schemeClr val="tx1"/>
+                </a:solidFill>
+                <a:latin typeface="+mn-lt"/>
+              </a:rPr>
+              <a:t>анализа фискальных данных;</a:t>
+            </a:r>
+          </a:p>
+          <a:p>
+            <a:r>
+              <a:rPr lang="ru-RU" dirty="0" smtClean="0">
+                <a:solidFill>
+                  <a:schemeClr val="tx1"/>
+                </a:solidFill>
+                <a:latin typeface="+mn-lt"/>
+              </a:rPr>
+              <a:t>Разработан </a:t>
+            </a:r>
+            <a:r>
+              <a:rPr lang="ru-RU" dirty="0">
+                <a:solidFill>
+                  <a:schemeClr val="tx1"/>
+                </a:solidFill>
+                <a:latin typeface="+mn-lt"/>
+              </a:rPr>
+              <a:t>аналитический модуль системы;</a:t>
+            </a:r>
+          </a:p>
+          <a:p>
+            <a:r>
+              <a:rPr lang="ru-RU" dirty="0" smtClean="0">
+                <a:solidFill>
+                  <a:schemeClr val="tx1"/>
+                </a:solidFill>
+                <a:latin typeface="+mn-lt"/>
+              </a:rPr>
+              <a:t>Реализована </a:t>
+            </a:r>
+            <a:r>
+              <a:rPr lang="ru-RU" dirty="0">
+                <a:solidFill>
+                  <a:schemeClr val="tx1"/>
+                </a:solidFill>
+                <a:latin typeface="+mn-lt"/>
+              </a:rPr>
+              <a:t>возможность интеграции системы </a:t>
+            </a:r>
+            <a:r>
+              <a:rPr lang="ru-RU" dirty="0" smtClean="0">
+                <a:solidFill>
+                  <a:schemeClr val="tx1"/>
+                </a:solidFill>
+                <a:latin typeface="+mn-lt"/>
+              </a:rPr>
+              <a:t>в корпоративные </a:t>
+            </a:r>
+            <a:r>
+              <a:rPr lang="en-US" dirty="0" smtClean="0">
+                <a:solidFill>
+                  <a:schemeClr val="tx1"/>
+                </a:solidFill>
+                <a:latin typeface="+mn-lt"/>
+              </a:rPr>
+              <a:t>ERP</a:t>
+            </a:r>
+            <a:r>
+              <a:rPr lang="ru-RU" dirty="0" smtClean="0">
+                <a:solidFill>
+                  <a:schemeClr val="tx1"/>
+                </a:solidFill>
+                <a:latin typeface="+mn-lt"/>
+              </a:rPr>
+              <a:t>.</a:t>
+            </a:r>
+            <a:endParaRPr lang="ru-RU" dirty="0">
               <a:solidFill>
                 <a:schemeClr val="tx1"/>
               </a:solidFill>
@@ -5942,125 +6020,7 @@
             <a:pPr marL="0" indent="0">
               <a:buNone/>
             </a:pPr>
-            <a:r>
-              <a:rPr lang="ru-RU" sz="2000" dirty="0" smtClean="0">
-                <a:solidFill>
-                  <a:schemeClr val="tx1"/>
-                </a:solidFill>
-                <a:latin typeface="+mn-lt"/>
-              </a:rPr>
-              <a:t>В </a:t>
-            </a:r>
-            <a:r>
-              <a:rPr lang="ru-RU" sz="2000" dirty="0" smtClean="0">
-                <a:solidFill>
-                  <a:schemeClr val="tx1"/>
-                </a:solidFill>
-                <a:latin typeface="+mn-lt"/>
-              </a:rPr>
-              <a:t>ходе разработки был </a:t>
-            </a:r>
-            <a:r>
-              <a:rPr lang="ru-RU" sz="2000" dirty="0">
-                <a:solidFill>
-                  <a:schemeClr val="tx1"/>
-                </a:solidFill>
-                <a:latin typeface="+mn-lt"/>
-              </a:rPr>
-              <a:t>решен ряд задач: </a:t>
-            </a:r>
-            <a:endParaRPr lang="ru-RU" sz="2000" dirty="0">
-              <a:solidFill>
-                <a:schemeClr val="tx1"/>
-              </a:solidFill>
-              <a:latin typeface="+mn-lt"/>
-            </a:endParaRPr>
-          </a:p>
-          <a:p>
-            <a:r>
-              <a:rPr lang="ru-RU" sz="2000" dirty="0" smtClean="0">
-                <a:solidFill>
-                  <a:schemeClr val="tx1"/>
-                </a:solidFill>
-                <a:latin typeface="+mn-lt"/>
-              </a:rPr>
-              <a:t>Проведен </a:t>
-            </a:r>
-            <a:r>
-              <a:rPr lang="ru-RU" sz="2000" dirty="0">
-                <a:solidFill>
-                  <a:schemeClr val="tx1"/>
-                </a:solidFill>
-                <a:latin typeface="+mn-lt"/>
-              </a:rPr>
-              <a:t>анализ предметной области;</a:t>
-            </a:r>
-          </a:p>
-          <a:p>
-            <a:r>
-              <a:rPr lang="ru-RU" sz="2000" dirty="0" smtClean="0">
-                <a:solidFill>
-                  <a:schemeClr val="tx1"/>
-                </a:solidFill>
-                <a:latin typeface="+mn-lt"/>
-              </a:rPr>
-              <a:t>Сформулирована задача </a:t>
-            </a:r>
-            <a:r>
-              <a:rPr lang="ru-RU" sz="2000" dirty="0">
-                <a:solidFill>
-                  <a:schemeClr val="tx1"/>
-                </a:solidFill>
-                <a:latin typeface="+mn-lt"/>
-              </a:rPr>
-              <a:t>анализа фискальных данных;</a:t>
-            </a:r>
-          </a:p>
-          <a:p>
-            <a:r>
-              <a:rPr lang="ru-RU" sz="2000" dirty="0" smtClean="0">
-                <a:solidFill>
-                  <a:schemeClr val="tx1"/>
-                </a:solidFill>
-                <a:latin typeface="+mn-lt"/>
-              </a:rPr>
-              <a:t>Разработан </a:t>
-            </a:r>
-            <a:r>
-              <a:rPr lang="ru-RU" sz="2000" dirty="0">
-                <a:solidFill>
-                  <a:schemeClr val="tx1"/>
-                </a:solidFill>
-                <a:latin typeface="+mn-lt"/>
-              </a:rPr>
-              <a:t>аналитический модуль системы;</a:t>
-            </a:r>
-          </a:p>
-          <a:p>
-            <a:r>
-              <a:rPr lang="ru-RU" sz="2000" dirty="0" smtClean="0">
-                <a:solidFill>
-                  <a:schemeClr val="tx1"/>
-                </a:solidFill>
-                <a:latin typeface="+mn-lt"/>
-              </a:rPr>
-              <a:t>Реализована </a:t>
-            </a:r>
-            <a:r>
-              <a:rPr lang="ru-RU" sz="2000" dirty="0">
-                <a:solidFill>
-                  <a:schemeClr val="tx1"/>
-                </a:solidFill>
-                <a:latin typeface="+mn-lt"/>
-              </a:rPr>
-              <a:t>возможность интеграции системы с другими системами.</a:t>
-            </a:r>
-          </a:p>
-          <a:p>
-            <a:pPr marL="0" indent="0">
-              <a:buNone/>
-            </a:pPr>
-            <a:endParaRPr lang="en-US" sz="2000" dirty="0" smtClean="0">
+            <a:endParaRPr lang="en-US" dirty="0" smtClean="0">
               <a:solidFill>
                 <a:schemeClr val="tx1"/>
               </a:solidFill>
@@ -6142,94 +6102,6 @@
                 </a:outerShdw>
               </a:effectLst>
             </a:endParaRPr>
-          </a:p>
-        </p:txBody>
-      </p:sp>
-      <p:sp>
-        <p:nvSpPr>
-          <p:cNvPr id="5" name="Прямоугольник 4"/>
-          <p:cNvSpPr/>
-          <p:nvPr/>
-        </p:nvSpPr>
-        <p:spPr>
-          <a:xfrm>
-            <a:off x="503548" y="4615968"/>
-            <a:ext cx="8136904" cy="1200329"/>
-          </a:xfrm>
-          <a:prstGeom prst="rect">
-            <a:avLst/>
-          </a:prstGeom>
-        </p:spPr>
-        <p:txBody>
-          <a:bodyPr wrap="square">
-            <a:spAutoFit/>
-          </a:bodyPr>
-          <a:lstStyle/>
-          <a:p>
-            <a:r>
-              <a:rPr lang="ru-RU" b="1" dirty="0" smtClean="0">
-                <a:solidFill>
-                  <a:srgbClr val="000000"/>
-                </a:solidFill>
-                <a:latin typeface="Times New Roman" panose="02020603050405020304" pitchFamily="18" charset="0"/>
-              </a:rPr>
-              <a:t>Библиографическая ссылка:</a:t>
-            </a:r>
-          </a:p>
-          <a:p>
-            <a:r>
-              <a:rPr lang="ru-RU" dirty="0">
-                <a:solidFill>
-                  <a:srgbClr val="000000"/>
-                </a:solidFill>
-                <a:latin typeface="Times New Roman" panose="02020603050405020304" pitchFamily="18" charset="0"/>
-              </a:rPr>
-              <a:t>Вершинин Е.В., Прокофьев М.Л., Афанасьев В.Р.</a:t>
-            </a:r>
-            <a:r>
-              <a:rPr lang="ru-RU" dirty="0">
-                <a:solidFill>
-                  <a:srgbClr val="000000"/>
-                </a:solidFill>
-                <a:latin typeface="Times New Roman" panose="02020603050405020304" pitchFamily="18" charset="0"/>
-              </a:rPr>
-              <a:t> </a:t>
-            </a:r>
-            <a:r>
-              <a:rPr lang="ru-RU" dirty="0">
-                <a:solidFill>
-                  <a:srgbClr val="000000"/>
-                </a:solidFill>
-                <a:latin typeface="Times New Roman" panose="02020603050405020304" pitchFamily="18" charset="0"/>
-              </a:rPr>
-              <a:t>Проектирование аналитической системы обработки фискальных данных</a:t>
-            </a:r>
-            <a:r>
-              <a:rPr lang="ru-RU" dirty="0">
-                <a:solidFill>
-                  <a:srgbClr val="000000"/>
-                </a:solidFill>
-                <a:latin typeface="Times New Roman" panose="02020603050405020304" pitchFamily="18" charset="0"/>
-              </a:rPr>
-              <a:t> // </a:t>
-            </a:r>
-            <a:r>
-              <a:rPr lang="ru-RU" dirty="0"/>
-              <a:t>Вопросы </a:t>
-            </a:r>
-            <a:r>
-              <a:rPr lang="ru-RU" dirty="0" smtClean="0"/>
-              <a:t>радиоэлектроники 2019 </a:t>
-            </a:r>
-            <a:r>
-              <a:rPr lang="ru-RU" dirty="0"/>
-              <a:t>.- № 3 .- С. 78 </a:t>
-            </a:r>
-            <a:r>
-              <a:rPr lang="ru-RU" dirty="0" smtClean="0"/>
-              <a:t>– 82.</a:t>
-            </a:r>
-            <a:endParaRPr lang="ru-RU" dirty="0"/>
           </a:p>
         </p:txBody>
       </p:sp>
@@ -7009,17 +6881,22 @@
           <a:lstStyle/>
           <a:p>
             <a:r>
+              <a:rPr lang="ru-RU" sz="3200" dirty="0" smtClean="0"/>
+              <a:t>Ц</a:t>
+            </a:r>
+            <a:r>
+              <a:rPr lang="ru-RU" sz="3200" dirty="0" smtClean="0"/>
+              <a:t>ель </a:t>
+            </a:r>
+            <a:r>
               <a:rPr lang="ru-RU" sz="3200" dirty="0"/>
-              <a:t>Постановка </a:t>
+              <a:t>и </a:t>
             </a:r>
             <a:r>
               <a:rPr lang="ru-RU" sz="3200" dirty="0" smtClean="0"/>
-              <a:t>цели </a:t>
-            </a:r>
-            <a:r>
-              <a:rPr lang="ru-RU" sz="3200" dirty="0"/>
-              <a:t>и задач</a:t>
-            </a:r>
+              <a:t>задачи</a:t>
+            </a:r>
+            <a:endParaRPr lang="ru-RU" sz="3200" dirty="0"/>
           </a:p>
         </p:txBody>
       </p:sp>
@@ -7524,7 +7401,7 @@
         <p:spPr>
           <a:xfrm>
             <a:off x="755576" y="1916832"/>
-            <a:ext cx="7488832" cy="3312368"/>
+            <a:ext cx="7658054" cy="3312368"/>
           </a:xfrm>
           <a:prstGeom prst="rect">
             <a:avLst/>
@@ -7580,7 +7457,7 @@
         </p:nvSpPr>
         <p:spPr>
           <a:xfrm>
-            <a:off x="444080" y="116632"/>
+            <a:off x="472062" y="620688"/>
             <a:ext cx="8229600" cy="835496"/>
           </a:xfrm>
         </p:spPr>
@@ -7588,13 +7465,18 @@
           <a:bodyPr/>
           <a:lstStyle/>
           <a:p>
+            <a:pPr>
+              <a:spcAft>
+                <a:spcPts val="1200"/>
+              </a:spcAft>
+            </a:pPr>
             <a:r>
               <a:rPr lang="ru-RU" sz="3200" dirty="0" smtClean="0"/>
-              <a:t>Постановка </a:t>
+              <a:t>Анализ </a:t>
             </a:r>
             <a:r>
               <a:rPr lang="ru-RU" sz="3200" dirty="0"/>
-              <a:t>задачи</a:t>
+              <a:t>рыночной корзины = поиск ассоциативных правил</a:t>
             </a:r>
           </a:p>
         </p:txBody>
@@ -7684,7 +7566,7 @@
         <p:spPr>
           <a:xfrm>
             <a:off x="286870" y="896924"/>
-            <a:ext cx="8686800" cy="5755422"/>
+            <a:ext cx="8686800" cy="5232202"/>
           </a:xfrm>
           <a:prstGeom prst="rect">
             <a:avLst/>
@@ -7795,10 +7677,7 @@
                 <a:spcPts val="1200"/>
               </a:spcAft>
             </a:pPr>
-            <a:r>
-              <a:rPr lang="ru-RU" sz="2400" dirty="0" smtClean="0"/>
-              <a:t>Задача: </a:t>
-            </a:r>
+            <a:endParaRPr lang="ru-RU" sz="2400" dirty="0" smtClean="0"/>
           </a:p>
           <a:p>
             <a:pPr>
@@ -7808,31 +7687,11 @@
             </a:pPr>
             <a:r>
               <a:rPr lang="ru-RU" sz="2400" dirty="0" smtClean="0"/>
-              <a:t>анализ </a:t>
-            </a:r>
-            <a:r>
-              <a:rPr lang="ru-RU" sz="2400" dirty="0"/>
-              <a:t>рыночной </a:t>
+              <a:t>Мотивация</a:t>
             </a:r>
             <a:r>
               <a:rPr lang="ru-RU" sz="2400" dirty="0" smtClean="0"/>
-              <a:t>корзины = поиск </a:t>
-            </a:r>
-            <a:r>
-              <a:rPr lang="ru-RU" sz="2400" dirty="0"/>
-              <a:t>ассоциативных правил</a:t>
-            </a:r>
-            <a:endParaRPr lang="ru-RU" sz="2400" dirty="0" smtClean="0"/>
-          </a:p>
-          <a:p>
-            <a:pPr>
-              <a:spcAft>
-                <a:spcPts val="1200"/>
-              </a:spcAft>
-            </a:pPr>
-            <a:r>
-              <a:rPr lang="ru-RU" sz="2400" dirty="0" smtClean="0"/>
-              <a:t>Мотивация:</a:t>
+              <a:t>:</a:t>
             </a:r>
           </a:p>
           <a:p>
@@ -8054,8 +7913,8 @@
         </p:nvSpPr>
         <p:spPr>
           <a:xfrm>
-            <a:off x="202913" y="1120676"/>
-            <a:ext cx="8738174" cy="2677656"/>
+            <a:off x="202912" y="1120676"/>
+            <a:ext cx="8786781" cy="4247317"/>
           </a:xfrm>
           <a:prstGeom prst="rect">
             <a:avLst/>
@@ -8169,23 +8028,19 @@
               <a:buChar char="•"/>
             </a:pPr>
             <a:r>
-              <a:rPr lang="ru-RU" sz="2800" b="1" dirty="0" smtClean="0">
+              <a:rPr lang="ru-RU" sz="3600" b="1" dirty="0" smtClean="0">
                 <a:ea typeface="Calibri" panose="020F0502020204030204" pitchFamily="34" charset="0"/>
                 <a:cs typeface="Times New Roman" panose="02020603050405020304" pitchFamily="18" charset="0"/>
               </a:rPr>
               <a:t>BRUTEFORCE</a:t>
             </a:r>
             <a:r>
-              <a:rPr lang="ru-RU" sz="2800" dirty="0" smtClean="0">
+              <a:rPr lang="ru-RU" sz="3600" dirty="0" smtClean="0">
                 <a:ea typeface="Calibri" panose="020F0502020204030204" pitchFamily="34" charset="0"/>
                 <a:cs typeface="Times New Roman" panose="02020603050405020304" pitchFamily="18" charset="0"/>
               </a:rPr>
               <a:t> </a:t>
             </a:r>
-            <a:endParaRPr lang="ru-RU" sz="2800" dirty="0" smtClean="0">
-              <a:ea typeface="Calibri" panose="020F0502020204030204" pitchFamily="34" charset="0"/>
-              <a:cs typeface="Times New Roman" panose="02020603050405020304" pitchFamily="18" charset="0"/>
-            </a:endParaRPr>
           </a:p>
           <a:p>
             <a:pPr marL="457200" indent="-457200">
@@ -8196,15 +8051,15 @@
               <a:buChar char="•"/>
             </a:pPr>
             <a:r>
-              <a:rPr lang="en-US" sz="2800" b="1" dirty="0" smtClean="0"/>
+              <a:rPr lang="en-US" sz="3600" b="1" dirty="0" smtClean="0"/>
               <a:t>A</a:t>
             </a:r>
             <a:r>
-              <a:rPr lang="ru-RU" sz="2800" b="1" dirty="0" err="1" smtClean="0"/>
+              <a:rPr lang="ru-RU" sz="3600" b="1" dirty="0" err="1" smtClean="0"/>
               <a:t>priori</a:t>
             </a:r>
             <a:r>
-              <a:rPr lang="ru-RU" sz="2800" dirty="0" smtClean="0"/>
+              <a:rPr lang="ru-RU" sz="3600" dirty="0" smtClean="0"/>
               <a:t> </a:t>
             </a:r>
           </a:p>
@@ -8217,11 +8072,11 @@
               <a:buChar char="•"/>
             </a:pPr>
             <a:r>
-              <a:rPr lang="ru-RU" sz="2800" b="1" dirty="0" err="1" smtClean="0"/>
+              <a:rPr lang="ru-RU" sz="3600" b="1" dirty="0" err="1" smtClean="0"/>
               <a:t>Eclat</a:t>
             </a:r>
             <a:r>
-              <a:rPr lang="ru-RU" sz="2800" dirty="0" smtClean="0"/>
+              <a:rPr lang="ru-RU" sz="3600" dirty="0" smtClean="0"/>
               <a:t> </a:t>
             </a:r>
           </a:p>
@@ -8234,14 +8089,14 @@
               <a:buChar char="•"/>
             </a:pPr>
             <a:r>
-              <a:rPr lang="en-US" sz="2800" b="1" dirty="0" smtClean="0"/>
+              <a:rPr lang="en-US" sz="3600" b="1" dirty="0" smtClean="0"/>
               <a:t>Frequent Pattern-Growth Strategy (FPG)</a:t>
             </a:r>
             <a:r>
-              <a:rPr lang="ru-RU" sz="2800" dirty="0" smtClean="0"/>
+              <a:rPr lang="ru-RU" sz="3600" dirty="0" smtClean="0"/>
               <a:t> </a:t>
             </a:r>
-            <a:endParaRPr lang="ru-RU" sz="2800" b="1" dirty="0"/>
+            <a:endParaRPr lang="ru-RU" sz="3600" b="1" dirty="0"/>
           </a:p>
         </p:txBody>
       </p:sp>
